--- a/第5章-GDAL开源库及遥感栅格数据处理-8课时/第五章-栅格数据处理.pptx
+++ b/第5章-GDAL开源库及遥感栅格数据处理-8课时/第五章-栅格数据处理.pptx
@@ -7774,7 +7774,7 @@
               </a14:hiddenFill>
             </a:ext>
             <a:ext uri="{FAA26D3D-D897-4be2-8F04-BA451C77F1D7}">
-              <ma14:placeholderFlag xmlns:ma14="http://schemas.microsoft.com/office/mac/drawingml/2011/main" xmlns="" val="1"/>
+              <ma14:placeholderFlag xmlns="" xmlns:ma14="http://schemas.microsoft.com/office/mac/drawingml/2011/main" val="1"/>
             </a:ext>
           </a:extLst>
         </p:spPr>
@@ -8158,7 +8158,7 @@
               </a14:hiddenLine>
             </a:ext>
             <a:ext uri="{FAA26D3D-D897-4be2-8F04-BA451C77F1D7}">
-              <ma14:placeholderFlag xmlns:ma14="http://schemas.microsoft.com/office/mac/drawingml/2011/main" xmlns="" val="1"/>
+              <ma14:placeholderFlag xmlns="" xmlns:ma14="http://schemas.microsoft.com/office/mac/drawingml/2011/main" val="1"/>
             </a:ext>
           </a:extLst>
         </p:spPr>
@@ -11152,7 +11152,7 @@
               </a14:hiddenLine>
             </a:ext>
             <a:ext uri="{FAA26D3D-D897-4be2-8F04-BA451C77F1D7}">
-              <ma14:placeholderFlag xmlns:ma14="http://schemas.microsoft.com/office/mac/drawingml/2011/main" xmlns="" val="1"/>
+              <ma14:placeholderFlag xmlns="" xmlns:ma14="http://schemas.microsoft.com/office/mac/drawingml/2011/main" val="1"/>
             </a:ext>
           </a:extLst>
         </p:spPr>
@@ -14843,7 +14843,7 @@
               </a14:hiddenLine>
             </a:ext>
             <a:ext uri="{FAA26D3D-D897-4be2-8F04-BA451C77F1D7}">
-              <ma14:placeholderFlag xmlns:ma14="http://schemas.microsoft.com/office/mac/drawingml/2011/main" xmlns="" val="1"/>
+              <ma14:placeholderFlag xmlns="" xmlns:ma14="http://schemas.microsoft.com/office/mac/drawingml/2011/main" val="1"/>
             </a:ext>
           </a:extLst>
         </p:spPr>
@@ -29351,7 +29351,7 @@
         <p:spPr>
           <a:xfrm>
             <a:off x="130629" y="1881845"/>
-            <a:ext cx="8882741" cy="5016758"/>
+            <a:ext cx="8882741" cy="4985980"/>
           </a:xfrm>
           <a:prstGeom prst="rect">
             <a:avLst/>
@@ -29515,6 +29515,46 @@
               </a:rPr>
               <a:t>波段影像拼接示例）。</a:t>
             </a:r>
+            <a:r>
+              <a:rPr lang="zh-CN" altLang="en-US" sz="2000" u="sng" dirty="0">
+                <a:solidFill>
+                  <a:srgbClr val="333333"/>
+                </a:solidFill>
+                <a:latin typeface="+mn-ea"/>
+                <a:ea typeface="+mn-ea"/>
+              </a:rPr>
+              <a:t>不能使用</a:t>
+            </a:r>
+            <a:r>
+              <a:rPr lang="en-US" altLang="zh-CN" sz="2000" u="sng" dirty="0" err="1">
+                <a:solidFill>
+                  <a:srgbClr val="333333"/>
+                </a:solidFill>
+                <a:latin typeface="+mn-ea"/>
+                <a:ea typeface="+mn-ea"/>
+              </a:rPr>
+              <a:t>gdal</a:t>
+            </a:r>
+            <a:r>
+              <a:rPr lang="zh-CN" altLang="en-US" sz="2000" u="sng" dirty="0">
+                <a:solidFill>
+                  <a:srgbClr val="333333"/>
+                </a:solidFill>
+                <a:latin typeface="+mn-ea"/>
+                <a:ea typeface="+mn-ea"/>
+              </a:rPr>
+              <a:t>快捷函数或命令行工具</a:t>
+            </a:r>
+            <a:r>
+              <a:rPr lang="zh-CN" altLang="en-US" sz="2000" dirty="0">
+                <a:solidFill>
+                  <a:srgbClr val="333333"/>
+                </a:solidFill>
+                <a:latin typeface="+mn-ea"/>
+                <a:ea typeface="+mn-ea"/>
+              </a:rPr>
+              <a:t>。</a:t>
+            </a:r>
             <a:endParaRPr lang="en-US" altLang="zh-CN" sz="2000" dirty="0">
               <a:solidFill>
                 <a:srgbClr val="333333"/>
@@ -29543,47 +29583,17 @@
                 <a:latin typeface="+mn-ea"/>
                 <a:ea typeface="+mn-ea"/>
               </a:rPr>
-              <a:t>）</a:t>
-            </a:r>
-            <a:r>
-              <a:rPr lang="zh-CN" altLang="en-US" sz="2000" u="sng" dirty="0">
+              <a:t>）总结遇到问题解决问题的</a:t>
+            </a:r>
+            <a:r>
+              <a:rPr lang="zh-CN" altLang="en-US" sz="2000">
                 <a:solidFill>
                   <a:srgbClr val="333333"/>
                 </a:solidFill>
                 <a:latin typeface="+mn-ea"/>
                 <a:ea typeface="+mn-ea"/>
               </a:rPr>
-              <a:t>不能使用</a:t>
-            </a:r>
-            <a:r>
-              <a:rPr lang="en-US" altLang="zh-CN" sz="2000" u="sng" dirty="0" err="1">
-                <a:solidFill>
-                  <a:srgbClr val="333333"/>
-                </a:solidFill>
-                <a:latin typeface="+mn-ea"/>
-                <a:ea typeface="+mn-ea"/>
-              </a:rPr>
-              <a:t>gdal</a:t>
-            </a:r>
-            <a:r>
-              <a:rPr lang="zh-CN" altLang="en-US" sz="2000" u="sng" dirty="0">
-                <a:solidFill>
-                  <a:srgbClr val="333333"/>
-                </a:solidFill>
-                <a:latin typeface="+mn-ea"/>
-                <a:ea typeface="+mn-ea"/>
-              </a:rPr>
-              <a:t>快捷函数或命令行工具</a:t>
-            </a:r>
-            <a:r>
-              <a:rPr lang="zh-CN" altLang="en-US" sz="2000" dirty="0">
-                <a:solidFill>
-                  <a:srgbClr val="333333"/>
-                </a:solidFill>
-                <a:latin typeface="+mn-ea"/>
-                <a:ea typeface="+mn-ea"/>
-              </a:rPr>
-              <a:t>。</a:t>
+              <a:t>过程与体会。</a:t>
             </a:r>
             <a:endParaRPr lang="en-US" altLang="zh-CN" sz="2000" dirty="0">
               <a:solidFill>
